--- a/Soutenance/Presentation/Fig_Dream_Recall_Population.pptx
+++ b/Soutenance/Presentation/Fig_Dream_Recall_Population.pptx
@@ -4,8 +4,12 @@
   <p:sldMasterIdLst>
     <p:sldMasterId id="2147483660" r:id="rId1"/>
   </p:sldMasterIdLst>
+  <p:notesMasterIdLst>
+    <p:notesMasterId r:id="rId4"/>
+  </p:notesMasterIdLst>
   <p:sldIdLst>
-    <p:sldId id="256" r:id="rId2"/>
+    <p:sldId id="257" r:id="rId2"/>
+    <p:sldId id="256" r:id="rId3"/>
   </p:sldIdLst>
   <p:sldSz cx="6858000" cy="9906000" type="A4"/>
   <p:notesSz cx="6858000" cy="9144000"/>
@@ -123,6 +127,532 @@
 </p:presentation>
 </file>
 
+<file path=ppt/notesMasters/notesMaster1.xml><?xml version="1.0" encoding="utf-8"?>
+<p:notesMaster xmlns:a="http://schemas.openxmlformats.org/drawingml/2006/main" xmlns:r="http://schemas.openxmlformats.org/officeDocument/2006/relationships" xmlns:p="http://schemas.openxmlformats.org/presentationml/2006/main">
+  <p:cSld>
+    <p:bg>
+      <p:bgRef idx="1001">
+        <a:schemeClr val="bg1"/>
+      </p:bgRef>
+    </p:bg>
+    <p:spTree>
+      <p:nvGrpSpPr>
+        <p:cNvPr id="1" name=""/>
+        <p:cNvGrpSpPr/>
+        <p:nvPr/>
+      </p:nvGrpSpPr>
+      <p:grpSpPr>
+        <a:xfrm>
+          <a:off x="0" y="0"/>
+          <a:ext cx="0" cy="0"/>
+          <a:chOff x="0" y="0"/>
+          <a:chExt cx="0" cy="0"/>
+        </a:xfrm>
+      </p:grpSpPr>
+      <p:sp>
+        <p:nvSpPr>
+          <p:cNvPr id="2" name="Espace réservé de l'en-tête 1"/>
+          <p:cNvSpPr>
+            <a:spLocks noGrp="1"/>
+          </p:cNvSpPr>
+          <p:nvPr>
+            <p:ph type="hdr" sz="quarter"/>
+          </p:nvPr>
+        </p:nvSpPr>
+        <p:spPr>
+          <a:xfrm>
+            <a:off x="0" y="0"/>
+            <a:ext cx="2971800" cy="458788"/>
+          </a:xfrm>
+          <a:prstGeom prst="rect">
+            <a:avLst/>
+          </a:prstGeom>
+        </p:spPr>
+        <p:txBody>
+          <a:bodyPr vert="horz" lIns="91440" tIns="45720" rIns="91440" bIns="45720" rtlCol="0"/>
+          <a:lstStyle>
+            <a:lvl1pPr algn="l">
+              <a:defRPr sz="1200"/>
+            </a:lvl1pPr>
+          </a:lstStyle>
+          <a:p>
+            <a:endParaRPr lang="en-US"/>
+          </a:p>
+        </p:txBody>
+      </p:sp>
+      <p:sp>
+        <p:nvSpPr>
+          <p:cNvPr id="3" name="Espace réservé de la date 2"/>
+          <p:cNvSpPr>
+            <a:spLocks noGrp="1"/>
+          </p:cNvSpPr>
+          <p:nvPr>
+            <p:ph type="dt" idx="1"/>
+          </p:nvPr>
+        </p:nvSpPr>
+        <p:spPr>
+          <a:xfrm>
+            <a:off x="3884613" y="0"/>
+            <a:ext cx="2971800" cy="458788"/>
+          </a:xfrm>
+          <a:prstGeom prst="rect">
+            <a:avLst/>
+          </a:prstGeom>
+        </p:spPr>
+        <p:txBody>
+          <a:bodyPr vert="horz" lIns="91440" tIns="45720" rIns="91440" bIns="45720" rtlCol="0"/>
+          <a:lstStyle>
+            <a:lvl1pPr algn="r">
+              <a:defRPr sz="1200"/>
+            </a:lvl1pPr>
+          </a:lstStyle>
+          <a:p>
+            <a:fld id="{5AEFFE4E-898B-4210-BC6A-67D3E75179BC}" type="datetimeFigureOut">
+              <a:rPr lang="en-US" smtClean="0"/>
+              <a:t>9/15/2017</a:t>
+            </a:fld>
+            <a:endParaRPr lang="en-US"/>
+          </a:p>
+        </p:txBody>
+      </p:sp>
+      <p:sp>
+        <p:nvSpPr>
+          <p:cNvPr id="4" name="Espace réservé de l'image des diapositives 3"/>
+          <p:cNvSpPr>
+            <a:spLocks noGrp="1" noRot="1" noChangeAspect="1"/>
+          </p:cNvSpPr>
+          <p:nvPr>
+            <p:ph type="sldImg" idx="2"/>
+          </p:nvPr>
+        </p:nvSpPr>
+        <p:spPr>
+          <a:xfrm>
+            <a:off x="2360613" y="1143000"/>
+            <a:ext cx="2136775" cy="3086100"/>
+          </a:xfrm>
+          <a:prstGeom prst="rect">
+            <a:avLst/>
+          </a:prstGeom>
+          <a:noFill/>
+          <a:ln w="12700">
+            <a:solidFill>
+              <a:prstClr val="black"/>
+            </a:solidFill>
+          </a:ln>
+        </p:spPr>
+        <p:txBody>
+          <a:bodyPr vert="horz" lIns="91440" tIns="45720" rIns="91440" bIns="45720" rtlCol="0" anchor="ctr"/>
+          <a:lstStyle/>
+          <a:p>
+            <a:endParaRPr lang="en-US"/>
+          </a:p>
+        </p:txBody>
+      </p:sp>
+      <p:sp>
+        <p:nvSpPr>
+          <p:cNvPr id="5" name="Espace réservé des commentaires 4"/>
+          <p:cNvSpPr>
+            <a:spLocks noGrp="1"/>
+          </p:cNvSpPr>
+          <p:nvPr>
+            <p:ph type="body" sz="quarter" idx="3"/>
+          </p:nvPr>
+        </p:nvSpPr>
+        <p:spPr>
+          <a:xfrm>
+            <a:off x="685800" y="4400550"/>
+            <a:ext cx="5486400" cy="3600450"/>
+          </a:xfrm>
+          <a:prstGeom prst="rect">
+            <a:avLst/>
+          </a:prstGeom>
+        </p:spPr>
+        <p:txBody>
+          <a:bodyPr vert="horz" lIns="91440" tIns="45720" rIns="91440" bIns="45720" rtlCol="0"/>
+          <a:lstStyle/>
+          <a:p>
+            <a:pPr lvl="0"/>
+            <a:r>
+              <a:rPr lang="fr-FR" smtClean="0"/>
+              <a:t>Modifiez les styles du texte du masque</a:t>
+            </a:r>
+          </a:p>
+          <a:p>
+            <a:pPr lvl="1"/>
+            <a:r>
+              <a:rPr lang="fr-FR" smtClean="0"/>
+              <a:t>Deuxième niveau</a:t>
+            </a:r>
+          </a:p>
+          <a:p>
+            <a:pPr lvl="2"/>
+            <a:r>
+              <a:rPr lang="fr-FR" smtClean="0"/>
+              <a:t>Troisième niveau</a:t>
+            </a:r>
+          </a:p>
+          <a:p>
+            <a:pPr lvl="3"/>
+            <a:r>
+              <a:rPr lang="fr-FR" smtClean="0"/>
+              <a:t>Quatrième niveau</a:t>
+            </a:r>
+          </a:p>
+          <a:p>
+            <a:pPr lvl="4"/>
+            <a:r>
+              <a:rPr lang="fr-FR" smtClean="0"/>
+              <a:t>Cinquième niveau</a:t>
+            </a:r>
+            <a:endParaRPr lang="en-US"/>
+          </a:p>
+        </p:txBody>
+      </p:sp>
+      <p:sp>
+        <p:nvSpPr>
+          <p:cNvPr id="6" name="Espace réservé du pied de page 5"/>
+          <p:cNvSpPr>
+            <a:spLocks noGrp="1"/>
+          </p:cNvSpPr>
+          <p:nvPr>
+            <p:ph type="ftr" sz="quarter" idx="4"/>
+          </p:nvPr>
+        </p:nvSpPr>
+        <p:spPr>
+          <a:xfrm>
+            <a:off x="0" y="8685213"/>
+            <a:ext cx="2971800" cy="458787"/>
+          </a:xfrm>
+          <a:prstGeom prst="rect">
+            <a:avLst/>
+          </a:prstGeom>
+        </p:spPr>
+        <p:txBody>
+          <a:bodyPr vert="horz" lIns="91440" tIns="45720" rIns="91440" bIns="45720" rtlCol="0" anchor="b"/>
+          <a:lstStyle>
+            <a:lvl1pPr algn="l">
+              <a:defRPr sz="1200"/>
+            </a:lvl1pPr>
+          </a:lstStyle>
+          <a:p>
+            <a:endParaRPr lang="en-US"/>
+          </a:p>
+        </p:txBody>
+      </p:sp>
+      <p:sp>
+        <p:nvSpPr>
+          <p:cNvPr id="7" name="Espace réservé du numéro de diapositive 6"/>
+          <p:cNvSpPr>
+            <a:spLocks noGrp="1"/>
+          </p:cNvSpPr>
+          <p:nvPr>
+            <p:ph type="sldNum" sz="quarter" idx="5"/>
+          </p:nvPr>
+        </p:nvSpPr>
+        <p:spPr>
+          <a:xfrm>
+            <a:off x="3884613" y="8685213"/>
+            <a:ext cx="2971800" cy="458787"/>
+          </a:xfrm>
+          <a:prstGeom prst="rect">
+            <a:avLst/>
+          </a:prstGeom>
+        </p:spPr>
+        <p:txBody>
+          <a:bodyPr vert="horz" lIns="91440" tIns="45720" rIns="91440" bIns="45720" rtlCol="0" anchor="b"/>
+          <a:lstStyle>
+            <a:lvl1pPr algn="r">
+              <a:defRPr sz="1200"/>
+            </a:lvl1pPr>
+          </a:lstStyle>
+          <a:p>
+            <a:fld id="{57D01D74-1449-4F0B-9001-66B44884B396}" type="slidenum">
+              <a:rPr lang="en-US" smtClean="0"/>
+              <a:t>‹N°›</a:t>
+            </a:fld>
+            <a:endParaRPr lang="en-US"/>
+          </a:p>
+        </p:txBody>
+      </p:sp>
+    </p:spTree>
+    <p:extLst>
+      <p:ext uri="{BB962C8B-B14F-4D97-AF65-F5344CB8AC3E}">
+        <p14:creationId xmlns:p14="http://schemas.microsoft.com/office/powerpoint/2010/main" val="3148721870"/>
+      </p:ext>
+    </p:extLst>
+  </p:cSld>
+  <p:clrMap bg1="lt1" tx1="dk1" bg2="lt2" tx2="dk2" accent1="accent1" accent2="accent2" accent3="accent3" accent4="accent4" accent5="accent5" accent6="accent6" hlink="hlink" folHlink="folHlink"/>
+  <p:notesStyle>
+    <a:lvl1pPr marL="0" algn="l" defTabSz="914400" rtl="0" eaLnBrk="1" latinLnBrk="0" hangingPunct="1">
+      <a:defRPr sz="1200" kern="1200">
+        <a:solidFill>
+          <a:schemeClr val="tx1"/>
+        </a:solidFill>
+        <a:latin typeface="+mn-lt"/>
+        <a:ea typeface="+mn-ea"/>
+        <a:cs typeface="+mn-cs"/>
+      </a:defRPr>
+    </a:lvl1pPr>
+    <a:lvl2pPr marL="457200" algn="l" defTabSz="914400" rtl="0" eaLnBrk="1" latinLnBrk="0" hangingPunct="1">
+      <a:defRPr sz="1200" kern="1200">
+        <a:solidFill>
+          <a:schemeClr val="tx1"/>
+        </a:solidFill>
+        <a:latin typeface="+mn-lt"/>
+        <a:ea typeface="+mn-ea"/>
+        <a:cs typeface="+mn-cs"/>
+      </a:defRPr>
+    </a:lvl2pPr>
+    <a:lvl3pPr marL="914400" algn="l" defTabSz="914400" rtl="0" eaLnBrk="1" latinLnBrk="0" hangingPunct="1">
+      <a:defRPr sz="1200" kern="1200">
+        <a:solidFill>
+          <a:schemeClr val="tx1"/>
+        </a:solidFill>
+        <a:latin typeface="+mn-lt"/>
+        <a:ea typeface="+mn-ea"/>
+        <a:cs typeface="+mn-cs"/>
+      </a:defRPr>
+    </a:lvl3pPr>
+    <a:lvl4pPr marL="1371600" algn="l" defTabSz="914400" rtl="0" eaLnBrk="1" latinLnBrk="0" hangingPunct="1">
+      <a:defRPr sz="1200" kern="1200">
+        <a:solidFill>
+          <a:schemeClr val="tx1"/>
+        </a:solidFill>
+        <a:latin typeface="+mn-lt"/>
+        <a:ea typeface="+mn-ea"/>
+        <a:cs typeface="+mn-cs"/>
+      </a:defRPr>
+    </a:lvl4pPr>
+    <a:lvl5pPr marL="1828800" algn="l" defTabSz="914400" rtl="0" eaLnBrk="1" latinLnBrk="0" hangingPunct="1">
+      <a:defRPr sz="1200" kern="1200">
+        <a:solidFill>
+          <a:schemeClr val="tx1"/>
+        </a:solidFill>
+        <a:latin typeface="+mn-lt"/>
+        <a:ea typeface="+mn-ea"/>
+        <a:cs typeface="+mn-cs"/>
+      </a:defRPr>
+    </a:lvl5pPr>
+    <a:lvl6pPr marL="2286000" algn="l" defTabSz="914400" rtl="0" eaLnBrk="1" latinLnBrk="0" hangingPunct="1">
+      <a:defRPr sz="1200" kern="1200">
+        <a:solidFill>
+          <a:schemeClr val="tx1"/>
+        </a:solidFill>
+        <a:latin typeface="+mn-lt"/>
+        <a:ea typeface="+mn-ea"/>
+        <a:cs typeface="+mn-cs"/>
+      </a:defRPr>
+    </a:lvl6pPr>
+    <a:lvl7pPr marL="2743200" algn="l" defTabSz="914400" rtl="0" eaLnBrk="1" latinLnBrk="0" hangingPunct="1">
+      <a:defRPr sz="1200" kern="1200">
+        <a:solidFill>
+          <a:schemeClr val="tx1"/>
+        </a:solidFill>
+        <a:latin typeface="+mn-lt"/>
+        <a:ea typeface="+mn-ea"/>
+        <a:cs typeface="+mn-cs"/>
+      </a:defRPr>
+    </a:lvl7pPr>
+    <a:lvl8pPr marL="3200400" algn="l" defTabSz="914400" rtl="0" eaLnBrk="1" latinLnBrk="0" hangingPunct="1">
+      <a:defRPr sz="1200" kern="1200">
+        <a:solidFill>
+          <a:schemeClr val="tx1"/>
+        </a:solidFill>
+        <a:latin typeface="+mn-lt"/>
+        <a:ea typeface="+mn-ea"/>
+        <a:cs typeface="+mn-cs"/>
+      </a:defRPr>
+    </a:lvl8pPr>
+    <a:lvl9pPr marL="3657600" algn="l" defTabSz="914400" rtl="0" eaLnBrk="1" latinLnBrk="0" hangingPunct="1">
+      <a:defRPr sz="1200" kern="1200">
+        <a:solidFill>
+          <a:schemeClr val="tx1"/>
+        </a:solidFill>
+        <a:latin typeface="+mn-lt"/>
+        <a:ea typeface="+mn-ea"/>
+        <a:cs typeface="+mn-cs"/>
+      </a:defRPr>
+    </a:lvl9pPr>
+  </p:notesStyle>
+</p:notesMaster>
+</file>
+
+<file path=ppt/notesSlides/notesSlide1.xml><?xml version="1.0" encoding="utf-8"?>
+<p:notes xmlns:a="http://schemas.openxmlformats.org/drawingml/2006/main" xmlns:r="http://schemas.openxmlformats.org/officeDocument/2006/relationships" xmlns:p="http://schemas.openxmlformats.org/presentationml/2006/main">
+  <p:cSld>
+    <p:spTree>
+      <p:nvGrpSpPr>
+        <p:cNvPr id="1" name=""/>
+        <p:cNvGrpSpPr/>
+        <p:nvPr/>
+      </p:nvGrpSpPr>
+      <p:grpSpPr>
+        <a:xfrm>
+          <a:off x="0" y="0"/>
+          <a:ext cx="0" cy="0"/>
+          <a:chOff x="0" y="0"/>
+          <a:chExt cx="0" cy="0"/>
+        </a:xfrm>
+      </p:grpSpPr>
+      <p:sp>
+        <p:nvSpPr>
+          <p:cNvPr id="2" name="Espace réservé de l'image des diapositives 1"/>
+          <p:cNvSpPr>
+            <a:spLocks noGrp="1" noRot="1" noChangeAspect="1"/>
+          </p:cNvSpPr>
+          <p:nvPr>
+            <p:ph type="sldImg"/>
+          </p:nvPr>
+        </p:nvSpPr>
+        <p:spPr/>
+      </p:sp>
+      <p:sp>
+        <p:nvSpPr>
+          <p:cNvPr id="3" name="Espace réservé des commentaires 2"/>
+          <p:cNvSpPr>
+            <a:spLocks noGrp="1"/>
+          </p:cNvSpPr>
+          <p:nvPr>
+            <p:ph type="body" idx="1"/>
+          </p:nvPr>
+        </p:nvSpPr>
+        <p:spPr/>
+        <p:txBody>
+          <a:bodyPr/>
+          <a:lstStyle/>
+          <a:p>
+            <a:r>
+              <a:rPr lang="en-US" smtClean="0"/>
+              <a:t>https://www.easel.ly/create?id=https://s3.amazonaws.com/easel.ly/all_themes/vhemes/social/&amp;key=pub</a:t>
+            </a:r>
+            <a:endParaRPr lang="en-US"/>
+          </a:p>
+        </p:txBody>
+      </p:sp>
+      <p:sp>
+        <p:nvSpPr>
+          <p:cNvPr id="4" name="Espace réservé du numéro de diapositive 3"/>
+          <p:cNvSpPr>
+            <a:spLocks noGrp="1"/>
+          </p:cNvSpPr>
+          <p:nvPr>
+            <p:ph type="sldNum" sz="quarter" idx="10"/>
+          </p:nvPr>
+        </p:nvSpPr>
+        <p:spPr/>
+        <p:txBody>
+          <a:bodyPr/>
+          <a:lstStyle/>
+          <a:p>
+            <a:fld id="{57D01D74-1449-4F0B-9001-66B44884B396}" type="slidenum">
+              <a:rPr lang="en-US" smtClean="0"/>
+              <a:t>1</a:t>
+            </a:fld>
+            <a:endParaRPr lang="en-US"/>
+          </a:p>
+        </p:txBody>
+      </p:sp>
+    </p:spTree>
+    <p:extLst>
+      <p:ext uri="{BB962C8B-B14F-4D97-AF65-F5344CB8AC3E}">
+        <p14:creationId xmlns:p14="http://schemas.microsoft.com/office/powerpoint/2010/main" val="2975733024"/>
+      </p:ext>
+    </p:extLst>
+  </p:cSld>
+  <p:clrMapOvr>
+    <a:masterClrMapping/>
+  </p:clrMapOvr>
+</p:notes>
+</file>
+
+<file path=ppt/notesSlides/notesSlide2.xml><?xml version="1.0" encoding="utf-8"?>
+<p:notes xmlns:a="http://schemas.openxmlformats.org/drawingml/2006/main" xmlns:r="http://schemas.openxmlformats.org/officeDocument/2006/relationships" xmlns:p="http://schemas.openxmlformats.org/presentationml/2006/main">
+  <p:cSld>
+    <p:spTree>
+      <p:nvGrpSpPr>
+        <p:cNvPr id="1" name=""/>
+        <p:cNvGrpSpPr/>
+        <p:nvPr/>
+      </p:nvGrpSpPr>
+      <p:grpSpPr>
+        <a:xfrm>
+          <a:off x="0" y="0"/>
+          <a:ext cx="0" cy="0"/>
+          <a:chOff x="0" y="0"/>
+          <a:chExt cx="0" cy="0"/>
+        </a:xfrm>
+      </p:grpSpPr>
+      <p:sp>
+        <p:nvSpPr>
+          <p:cNvPr id="2" name="Espace réservé de l'image des diapositives 1"/>
+          <p:cNvSpPr>
+            <a:spLocks noGrp="1" noRot="1" noChangeAspect="1"/>
+          </p:cNvSpPr>
+          <p:nvPr>
+            <p:ph type="sldImg"/>
+          </p:nvPr>
+        </p:nvSpPr>
+        <p:spPr/>
+      </p:sp>
+      <p:sp>
+        <p:nvSpPr>
+          <p:cNvPr id="3" name="Espace réservé des commentaires 2"/>
+          <p:cNvSpPr>
+            <a:spLocks noGrp="1"/>
+          </p:cNvSpPr>
+          <p:nvPr>
+            <p:ph type="body" idx="1"/>
+          </p:nvPr>
+        </p:nvSpPr>
+        <p:spPr/>
+        <p:txBody>
+          <a:bodyPr/>
+          <a:lstStyle/>
+          <a:p>
+            <a:r>
+              <a:rPr lang="en-US" dirty="0" smtClean="0"/>
+              <a:t>https://www.easel.ly/create?id=https://s3.amazonaws.com/easel.ly/all_themes/vhemes/social/&amp;key=pub</a:t>
+            </a:r>
+            <a:endParaRPr lang="en-US" dirty="0"/>
+          </a:p>
+        </p:txBody>
+      </p:sp>
+      <p:sp>
+        <p:nvSpPr>
+          <p:cNvPr id="4" name="Espace réservé du numéro de diapositive 3"/>
+          <p:cNvSpPr>
+            <a:spLocks noGrp="1"/>
+          </p:cNvSpPr>
+          <p:nvPr>
+            <p:ph type="sldNum" sz="quarter" idx="10"/>
+          </p:nvPr>
+        </p:nvSpPr>
+        <p:spPr/>
+        <p:txBody>
+          <a:bodyPr/>
+          <a:lstStyle/>
+          <a:p>
+            <a:fld id="{57D01D74-1449-4F0B-9001-66B44884B396}" type="slidenum">
+              <a:rPr lang="en-US" smtClean="0"/>
+              <a:t>2</a:t>
+            </a:fld>
+            <a:endParaRPr lang="en-US"/>
+          </a:p>
+        </p:txBody>
+      </p:sp>
+    </p:spTree>
+    <p:extLst>
+      <p:ext uri="{BB962C8B-B14F-4D97-AF65-F5344CB8AC3E}">
+        <p14:creationId xmlns:p14="http://schemas.microsoft.com/office/powerpoint/2010/main" val="4123179918"/>
+      </p:ext>
+    </p:extLst>
+  </p:cSld>
+  <p:clrMapOvr>
+    <a:masterClrMapping/>
+  </p:clrMapOvr>
+</p:notes>
+</file>
+
 <file path=ppt/slideLayouts/slideLayout1.xml><?xml version="1.0" encoding="utf-8"?>
 <p:sldLayout xmlns:a="http://schemas.openxmlformats.org/drawingml/2006/main" xmlns:r="http://schemas.openxmlformats.org/officeDocument/2006/relationships" xmlns:p="http://schemas.openxmlformats.org/presentationml/2006/main" type="title" preserve="1">
   <p:cSld name="Diapositive de titre">
@@ -254,7 +784,7 @@
           <a:p>
             <a:fld id="{7E6485C8-14D9-44FA-9DFD-3EC3798416FF}" type="datetimeFigureOut">
               <a:rPr lang="en-US" smtClean="0"/>
-              <a:t>9/2/2017</a:t>
+              <a:t>9/15/2017</a:t>
             </a:fld>
             <a:endParaRPr lang="en-US"/>
           </a:p>
@@ -424,7 +954,7 @@
           <a:p>
             <a:fld id="{7E6485C8-14D9-44FA-9DFD-3EC3798416FF}" type="datetimeFigureOut">
               <a:rPr lang="en-US" smtClean="0"/>
-              <a:t>9/2/2017</a:t>
+              <a:t>9/15/2017</a:t>
             </a:fld>
             <a:endParaRPr lang="en-US"/>
           </a:p>
@@ -604,7 +1134,7 @@
           <a:p>
             <a:fld id="{7E6485C8-14D9-44FA-9DFD-3EC3798416FF}" type="datetimeFigureOut">
               <a:rPr lang="en-US" smtClean="0"/>
-              <a:t>9/2/2017</a:t>
+              <a:t>9/15/2017</a:t>
             </a:fld>
             <a:endParaRPr lang="en-US"/>
           </a:p>
@@ -774,7 +1304,7 @@
           <a:p>
             <a:fld id="{7E6485C8-14D9-44FA-9DFD-3EC3798416FF}" type="datetimeFigureOut">
               <a:rPr lang="en-US" smtClean="0"/>
-              <a:t>9/2/2017</a:t>
+              <a:t>9/15/2017</a:t>
             </a:fld>
             <a:endParaRPr lang="en-US"/>
           </a:p>
@@ -1018,7 +1548,7 @@
           <a:p>
             <a:fld id="{7E6485C8-14D9-44FA-9DFD-3EC3798416FF}" type="datetimeFigureOut">
               <a:rPr lang="en-US" smtClean="0"/>
-              <a:t>9/2/2017</a:t>
+              <a:t>9/15/2017</a:t>
             </a:fld>
             <a:endParaRPr lang="en-US"/>
           </a:p>
@@ -1250,7 +1780,7 @@
           <a:p>
             <a:fld id="{7E6485C8-14D9-44FA-9DFD-3EC3798416FF}" type="datetimeFigureOut">
               <a:rPr lang="en-US" smtClean="0"/>
-              <a:t>9/2/2017</a:t>
+              <a:t>9/15/2017</a:t>
             </a:fld>
             <a:endParaRPr lang="en-US"/>
           </a:p>
@@ -1617,7 +2147,7 @@
           <a:p>
             <a:fld id="{7E6485C8-14D9-44FA-9DFD-3EC3798416FF}" type="datetimeFigureOut">
               <a:rPr lang="en-US" smtClean="0"/>
-              <a:t>9/2/2017</a:t>
+              <a:t>9/15/2017</a:t>
             </a:fld>
             <a:endParaRPr lang="en-US"/>
           </a:p>
@@ -1735,7 +2265,7 @@
           <a:p>
             <a:fld id="{7E6485C8-14D9-44FA-9DFD-3EC3798416FF}" type="datetimeFigureOut">
               <a:rPr lang="en-US" smtClean="0"/>
-              <a:t>9/2/2017</a:t>
+              <a:t>9/15/2017</a:t>
             </a:fld>
             <a:endParaRPr lang="en-US"/>
           </a:p>
@@ -1830,7 +2360,7 @@
           <a:p>
             <a:fld id="{7E6485C8-14D9-44FA-9DFD-3EC3798416FF}" type="datetimeFigureOut">
               <a:rPr lang="en-US" smtClean="0"/>
-              <a:t>9/2/2017</a:t>
+              <a:t>9/15/2017</a:t>
             </a:fld>
             <a:endParaRPr lang="en-US"/>
           </a:p>
@@ -2107,7 +2637,7 @@
           <a:p>
             <a:fld id="{7E6485C8-14D9-44FA-9DFD-3EC3798416FF}" type="datetimeFigureOut">
               <a:rPr lang="en-US" smtClean="0"/>
-              <a:t>9/2/2017</a:t>
+              <a:t>9/15/2017</a:t>
             </a:fld>
             <a:endParaRPr lang="en-US"/>
           </a:p>
@@ -2364,7 +2894,7 @@
           <a:p>
             <a:fld id="{7E6485C8-14D9-44FA-9DFD-3EC3798416FF}" type="datetimeFigureOut">
               <a:rPr lang="en-US" smtClean="0"/>
-              <a:t>9/2/2017</a:t>
+              <a:t>9/15/2017</a:t>
             </a:fld>
             <a:endParaRPr lang="en-US"/>
           </a:p>
@@ -2577,7 +3107,7 @@
           <a:p>
             <a:fld id="{7E6485C8-14D9-44FA-9DFD-3EC3798416FF}" type="datetimeFigureOut">
               <a:rPr lang="en-US" smtClean="0"/>
-              <a:t>9/2/2017</a:t>
+              <a:t>9/15/2017</a:t>
             </a:fld>
             <a:endParaRPr lang="en-US"/>
           </a:p>
@@ -2991,7 +3521,7 @@
           <p:nvPr/>
         </p:nvPicPr>
         <p:blipFill>
-          <a:blip r:embed="rId2">
+          <a:blip r:embed="rId3">
             <a:extLst>
               <a:ext uri="{28A0092B-C50C-407E-A947-70E740481C1C}">
                 <a14:useLocalDpi xmlns:a14="http://schemas.microsoft.com/office/drawing/2010/main" val="0"/>
@@ -3021,7 +3551,7 @@
           <p:nvPr/>
         </p:nvPicPr>
         <p:blipFill>
-          <a:blip r:embed="rId2">
+          <a:blip r:embed="rId3">
             <a:duotone>
               <a:schemeClr val="accent3">
                 <a:shade val="45000"/>
@@ -3058,7 +3588,7 @@
           <p:nvPr/>
         </p:nvPicPr>
         <p:blipFill>
-          <a:blip r:embed="rId2">
+          <a:blip r:embed="rId3">
             <a:duotone>
               <a:schemeClr val="accent3">
                 <a:shade val="45000"/>
@@ -3095,7 +3625,7 @@
           <p:nvPr/>
         </p:nvPicPr>
         <p:blipFill>
-          <a:blip r:embed="rId2">
+          <a:blip r:embed="rId3">
             <a:duotone>
               <a:schemeClr val="accent3">
                 <a:shade val="45000"/>
@@ -3132,7 +3662,7 @@
           <p:nvPr/>
         </p:nvPicPr>
         <p:blipFill>
-          <a:blip r:embed="rId2">
+          <a:blip r:embed="rId3">
             <a:duotone>
               <a:schemeClr val="accent3">
                 <a:shade val="45000"/>
@@ -3169,7 +3699,7 @@
           <p:nvPr/>
         </p:nvPicPr>
         <p:blipFill>
-          <a:blip r:embed="rId2">
+          <a:blip r:embed="rId3">
             <a:duotone>
               <a:schemeClr val="accent3">
                 <a:shade val="45000"/>
@@ -3206,7 +3736,7 @@
           <p:nvPr/>
         </p:nvPicPr>
         <p:blipFill>
-          <a:blip r:embed="rId2">
+          <a:blip r:embed="rId3">
             <a:duotone>
               <a:schemeClr val="accent3">
                 <a:shade val="45000"/>
@@ -3243,7 +3773,7 @@
           <p:nvPr/>
         </p:nvPicPr>
         <p:blipFill>
-          <a:blip r:embed="rId2">
+          <a:blip r:embed="rId3">
             <a:duotone>
               <a:schemeClr val="accent3">
                 <a:shade val="45000"/>
@@ -3280,7 +3810,7 @@
           <p:nvPr/>
         </p:nvPicPr>
         <p:blipFill>
-          <a:blip r:embed="rId2">
+          <a:blip r:embed="rId3">
             <a:duotone>
               <a:schemeClr val="accent3">
                 <a:shade val="45000"/>
@@ -3317,7 +3847,7 @@
           <p:nvPr/>
         </p:nvPicPr>
         <p:blipFill>
-          <a:blip r:embed="rId2">
+          <a:blip r:embed="rId3">
             <a:duotone>
               <a:schemeClr val="accent3">
                 <a:shade val="45000"/>
@@ -3354,7 +3884,7 @@
           <p:nvPr/>
         </p:nvPicPr>
         <p:blipFill>
-          <a:blip r:embed="rId2">
+          <a:blip r:embed="rId3">
             <a:duotone>
               <a:schemeClr val="accent3">
                 <a:shade val="45000"/>
@@ -3391,7 +3921,7 @@
           <p:nvPr/>
         </p:nvPicPr>
         <p:blipFill>
-          <a:blip r:embed="rId2">
+          <a:blip r:embed="rId3">
             <a:duotone>
               <a:schemeClr val="accent3">
                 <a:shade val="45000"/>
@@ -3428,7 +3958,7 @@
           <p:nvPr/>
         </p:nvPicPr>
         <p:blipFill>
-          <a:blip r:embed="rId2">
+          <a:blip r:embed="rId3">
             <a:duotone>
               <a:schemeClr val="accent3">
                 <a:shade val="45000"/>
@@ -3465,7 +3995,7 @@
           <p:nvPr/>
         </p:nvPicPr>
         <p:blipFill>
-          <a:blip r:embed="rId2">
+          <a:blip r:embed="rId3">
             <a:duotone>
               <a:schemeClr val="accent3">
                 <a:shade val="45000"/>
@@ -3502,7 +4032,7 @@
           <p:nvPr/>
         </p:nvPicPr>
         <p:blipFill>
-          <a:blip r:embed="rId2">
+          <a:blip r:embed="rId3">
             <a:duotone>
               <a:schemeClr val="accent3">
                 <a:shade val="45000"/>
@@ -3539,7 +4069,7 @@
           <p:nvPr/>
         </p:nvPicPr>
         <p:blipFill>
-          <a:blip r:embed="rId2">
+          <a:blip r:embed="rId3">
             <a:duotone>
               <a:schemeClr val="accent3">
                 <a:shade val="45000"/>
@@ -3576,7 +4106,7 @@
           <p:nvPr/>
         </p:nvPicPr>
         <p:blipFill>
-          <a:blip r:embed="rId2">
+          <a:blip r:embed="rId3">
             <a:duotone>
               <a:schemeClr val="accent3">
                 <a:shade val="45000"/>
@@ -3613,7 +4143,7 @@
           <p:nvPr/>
         </p:nvPicPr>
         <p:blipFill>
-          <a:blip r:embed="rId2">
+          <a:blip r:embed="rId3">
             <a:duotone>
               <a:schemeClr val="accent3">
                 <a:shade val="45000"/>
@@ -3650,7 +4180,7 @@
           <p:nvPr/>
         </p:nvPicPr>
         <p:blipFill>
-          <a:blip r:embed="rId3">
+          <a:blip r:embed="rId4">
             <a:extLst>
               <a:ext uri="{28A0092B-C50C-407E-A947-70E740481C1C}">
                 <a14:useLocalDpi xmlns:a14="http://schemas.microsoft.com/office/drawing/2010/main" val="0"/>
@@ -3680,7 +4210,7 @@
           <p:nvPr/>
         </p:nvPicPr>
         <p:blipFill>
-          <a:blip r:embed="rId3">
+          <a:blip r:embed="rId4">
             <a:extLst>
               <a:ext uri="{28A0092B-C50C-407E-A947-70E740481C1C}">
                 <a14:useLocalDpi xmlns:a14="http://schemas.microsoft.com/office/drawing/2010/main" val="0"/>
@@ -3701,6 +4231,755 @@
           </a:prstGeom>
         </p:spPr>
       </p:pic>
+    </p:spTree>
+    <p:extLst>
+      <p:ext uri="{BB962C8B-B14F-4D97-AF65-F5344CB8AC3E}">
+        <p14:creationId xmlns:p14="http://schemas.microsoft.com/office/powerpoint/2010/main" val="4093722706"/>
+      </p:ext>
+    </p:extLst>
+  </p:cSld>
+  <p:clrMapOvr>
+    <a:masterClrMapping/>
+  </p:clrMapOvr>
+</p:sld>
+</file>
+
+<file path=ppt/slides/slide2.xml><?xml version="1.0" encoding="utf-8"?>
+<p:sld xmlns:a="http://schemas.openxmlformats.org/drawingml/2006/main" xmlns:r="http://schemas.openxmlformats.org/officeDocument/2006/relationships" xmlns:p="http://schemas.openxmlformats.org/presentationml/2006/main">
+  <p:cSld>
+    <p:spTree>
+      <p:nvGrpSpPr>
+        <p:cNvPr id="1" name=""/>
+        <p:cNvGrpSpPr/>
+        <p:nvPr/>
+      </p:nvGrpSpPr>
+      <p:grpSpPr>
+        <a:xfrm>
+          <a:off x="0" y="0"/>
+          <a:ext cx="0" cy="0"/>
+          <a:chOff x="0" y="0"/>
+          <a:chExt cx="0" cy="0"/>
+        </a:xfrm>
+      </p:grpSpPr>
+      <p:pic>
+        <p:nvPicPr>
+          <p:cNvPr id="5" name="Image 4"/>
+          <p:cNvPicPr>
+            <a:picLocks noChangeAspect="1"/>
+          </p:cNvPicPr>
+          <p:nvPr/>
+        </p:nvPicPr>
+        <p:blipFill>
+          <a:blip r:embed="rId3">
+            <a:extLst>
+              <a:ext uri="{28A0092B-C50C-407E-A947-70E740481C1C}">
+                <a14:useLocalDpi xmlns:a14="http://schemas.microsoft.com/office/drawing/2010/main" val="0"/>
+              </a:ext>
+            </a:extLst>
+          </a:blip>
+          <a:stretch>
+            <a:fillRect/>
+          </a:stretch>
+        </p:blipFill>
+        <p:spPr>
+          <a:xfrm>
+            <a:off x="247052" y="638716"/>
+            <a:ext cx="325148" cy="325148"/>
+          </a:xfrm>
+          <a:prstGeom prst="rect">
+            <a:avLst/>
+          </a:prstGeom>
+        </p:spPr>
+      </p:pic>
+      <p:pic>
+        <p:nvPicPr>
+          <p:cNvPr id="6" name="Image 5"/>
+          <p:cNvPicPr>
+            <a:picLocks noChangeAspect="1"/>
+          </p:cNvPicPr>
+          <p:nvPr/>
+        </p:nvPicPr>
+        <p:blipFill>
+          <a:blip r:embed="rId3">
+            <a:duotone>
+              <a:schemeClr val="accent3">
+                <a:shade val="45000"/>
+                <a:satMod val="135000"/>
+              </a:schemeClr>
+              <a:prstClr val="white"/>
+            </a:duotone>
+            <a:extLst>
+              <a:ext uri="{28A0092B-C50C-407E-A947-70E740481C1C}">
+                <a14:useLocalDpi xmlns:a14="http://schemas.microsoft.com/office/drawing/2010/main" val="0"/>
+              </a:ext>
+            </a:extLst>
+          </a:blip>
+          <a:stretch>
+            <a:fillRect/>
+          </a:stretch>
+        </p:blipFill>
+        <p:spPr>
+          <a:xfrm>
+            <a:off x="463844" y="638716"/>
+            <a:ext cx="325148" cy="325148"/>
+          </a:xfrm>
+          <a:prstGeom prst="rect">
+            <a:avLst/>
+          </a:prstGeom>
+        </p:spPr>
+      </p:pic>
+      <p:pic>
+        <p:nvPicPr>
+          <p:cNvPr id="25" name="Image 24"/>
+          <p:cNvPicPr>
+            <a:picLocks noChangeAspect="1"/>
+          </p:cNvPicPr>
+          <p:nvPr/>
+        </p:nvPicPr>
+        <p:blipFill>
+          <a:blip r:embed="rId3">
+            <a:duotone>
+              <a:schemeClr val="accent3">
+                <a:shade val="45000"/>
+                <a:satMod val="135000"/>
+              </a:schemeClr>
+              <a:prstClr val="white"/>
+            </a:duotone>
+            <a:extLst>
+              <a:ext uri="{28A0092B-C50C-407E-A947-70E740481C1C}">
+                <a14:useLocalDpi xmlns:a14="http://schemas.microsoft.com/office/drawing/2010/main" val="0"/>
+              </a:ext>
+            </a:extLst>
+          </a:blip>
+          <a:stretch>
+            <a:fillRect/>
+          </a:stretch>
+        </p:blipFill>
+        <p:spPr>
+          <a:xfrm>
+            <a:off x="680636" y="638716"/>
+            <a:ext cx="325148" cy="325148"/>
+          </a:xfrm>
+          <a:prstGeom prst="rect">
+            <a:avLst/>
+          </a:prstGeom>
+        </p:spPr>
+      </p:pic>
+      <p:pic>
+        <p:nvPicPr>
+          <p:cNvPr id="26" name="Image 25"/>
+          <p:cNvPicPr>
+            <a:picLocks noChangeAspect="1"/>
+          </p:cNvPicPr>
+          <p:nvPr/>
+        </p:nvPicPr>
+        <p:blipFill>
+          <a:blip r:embed="rId3">
+            <a:duotone>
+              <a:schemeClr val="accent3">
+                <a:shade val="45000"/>
+                <a:satMod val="135000"/>
+              </a:schemeClr>
+              <a:prstClr val="white"/>
+            </a:duotone>
+            <a:extLst>
+              <a:ext uri="{28A0092B-C50C-407E-A947-70E740481C1C}">
+                <a14:useLocalDpi xmlns:a14="http://schemas.microsoft.com/office/drawing/2010/main" val="0"/>
+              </a:ext>
+            </a:extLst>
+          </a:blip>
+          <a:stretch>
+            <a:fillRect/>
+          </a:stretch>
+        </p:blipFill>
+        <p:spPr>
+          <a:xfrm>
+            <a:off x="897428" y="638716"/>
+            <a:ext cx="325148" cy="325148"/>
+          </a:xfrm>
+          <a:prstGeom prst="rect">
+            <a:avLst/>
+          </a:prstGeom>
+        </p:spPr>
+      </p:pic>
+      <p:pic>
+        <p:nvPicPr>
+          <p:cNvPr id="27" name="Image 26"/>
+          <p:cNvPicPr>
+            <a:picLocks noChangeAspect="1"/>
+          </p:cNvPicPr>
+          <p:nvPr/>
+        </p:nvPicPr>
+        <p:blipFill>
+          <a:blip r:embed="rId3">
+            <a:duotone>
+              <a:schemeClr val="accent3">
+                <a:shade val="45000"/>
+                <a:satMod val="135000"/>
+              </a:schemeClr>
+              <a:prstClr val="white"/>
+            </a:duotone>
+            <a:extLst>
+              <a:ext uri="{28A0092B-C50C-407E-A947-70E740481C1C}">
+                <a14:useLocalDpi xmlns:a14="http://schemas.microsoft.com/office/drawing/2010/main" val="0"/>
+              </a:ext>
+            </a:extLst>
+          </a:blip>
+          <a:stretch>
+            <a:fillRect/>
+          </a:stretch>
+        </p:blipFill>
+        <p:spPr>
+          <a:xfrm>
+            <a:off x="1114220" y="638716"/>
+            <a:ext cx="325148" cy="325148"/>
+          </a:xfrm>
+          <a:prstGeom prst="rect">
+            <a:avLst/>
+          </a:prstGeom>
+        </p:spPr>
+      </p:pic>
+      <p:pic>
+        <p:nvPicPr>
+          <p:cNvPr id="28" name="Image 27"/>
+          <p:cNvPicPr>
+            <a:picLocks noChangeAspect="1"/>
+          </p:cNvPicPr>
+          <p:nvPr/>
+        </p:nvPicPr>
+        <p:blipFill>
+          <a:blip r:embed="rId3">
+            <a:duotone>
+              <a:schemeClr val="accent3">
+                <a:shade val="45000"/>
+                <a:satMod val="135000"/>
+              </a:schemeClr>
+              <a:prstClr val="white"/>
+            </a:duotone>
+            <a:extLst>
+              <a:ext uri="{28A0092B-C50C-407E-A947-70E740481C1C}">
+                <a14:useLocalDpi xmlns:a14="http://schemas.microsoft.com/office/drawing/2010/main" val="0"/>
+              </a:ext>
+            </a:extLst>
+          </a:blip>
+          <a:stretch>
+            <a:fillRect/>
+          </a:stretch>
+        </p:blipFill>
+        <p:spPr>
+          <a:xfrm>
+            <a:off x="1331012" y="638716"/>
+            <a:ext cx="325148" cy="325148"/>
+          </a:xfrm>
+          <a:prstGeom prst="rect">
+            <a:avLst/>
+          </a:prstGeom>
+        </p:spPr>
+      </p:pic>
+      <p:pic>
+        <p:nvPicPr>
+          <p:cNvPr id="29" name="Image 28"/>
+          <p:cNvPicPr>
+            <a:picLocks noChangeAspect="1"/>
+          </p:cNvPicPr>
+          <p:nvPr/>
+        </p:nvPicPr>
+        <p:blipFill>
+          <a:blip r:embed="rId3">
+            <a:duotone>
+              <a:schemeClr val="accent3">
+                <a:shade val="45000"/>
+                <a:satMod val="135000"/>
+              </a:schemeClr>
+              <a:prstClr val="white"/>
+            </a:duotone>
+            <a:extLst>
+              <a:ext uri="{28A0092B-C50C-407E-A947-70E740481C1C}">
+                <a14:useLocalDpi xmlns:a14="http://schemas.microsoft.com/office/drawing/2010/main" val="0"/>
+              </a:ext>
+            </a:extLst>
+          </a:blip>
+          <a:stretch>
+            <a:fillRect/>
+          </a:stretch>
+        </p:blipFill>
+        <p:spPr>
+          <a:xfrm>
+            <a:off x="1547804" y="638716"/>
+            <a:ext cx="325148" cy="325148"/>
+          </a:xfrm>
+          <a:prstGeom prst="rect">
+            <a:avLst/>
+          </a:prstGeom>
+        </p:spPr>
+      </p:pic>
+      <p:pic>
+        <p:nvPicPr>
+          <p:cNvPr id="30" name="Image 29"/>
+          <p:cNvPicPr>
+            <a:picLocks noChangeAspect="1"/>
+          </p:cNvPicPr>
+          <p:nvPr/>
+        </p:nvPicPr>
+        <p:blipFill>
+          <a:blip r:embed="rId3">
+            <a:duotone>
+              <a:schemeClr val="accent3">
+                <a:shade val="45000"/>
+                <a:satMod val="135000"/>
+              </a:schemeClr>
+              <a:prstClr val="white"/>
+            </a:duotone>
+            <a:extLst>
+              <a:ext uri="{28A0092B-C50C-407E-A947-70E740481C1C}">
+                <a14:useLocalDpi xmlns:a14="http://schemas.microsoft.com/office/drawing/2010/main" val="0"/>
+              </a:ext>
+            </a:extLst>
+          </a:blip>
+          <a:stretch>
+            <a:fillRect/>
+          </a:stretch>
+        </p:blipFill>
+        <p:spPr>
+          <a:xfrm>
+            <a:off x="1764596" y="638716"/>
+            <a:ext cx="325148" cy="325148"/>
+          </a:xfrm>
+          <a:prstGeom prst="rect">
+            <a:avLst/>
+          </a:prstGeom>
+        </p:spPr>
+      </p:pic>
+      <p:pic>
+        <p:nvPicPr>
+          <p:cNvPr id="31" name="Image 30"/>
+          <p:cNvPicPr>
+            <a:picLocks noChangeAspect="1"/>
+          </p:cNvPicPr>
+          <p:nvPr/>
+        </p:nvPicPr>
+        <p:blipFill>
+          <a:blip r:embed="rId3">
+            <a:duotone>
+              <a:schemeClr val="accent3">
+                <a:shade val="45000"/>
+                <a:satMod val="135000"/>
+              </a:schemeClr>
+              <a:prstClr val="white"/>
+            </a:duotone>
+            <a:extLst>
+              <a:ext uri="{28A0092B-C50C-407E-A947-70E740481C1C}">
+                <a14:useLocalDpi xmlns:a14="http://schemas.microsoft.com/office/drawing/2010/main" val="0"/>
+              </a:ext>
+            </a:extLst>
+          </a:blip>
+          <a:stretch>
+            <a:fillRect/>
+          </a:stretch>
+        </p:blipFill>
+        <p:spPr>
+          <a:xfrm>
+            <a:off x="1981388" y="638716"/>
+            <a:ext cx="325148" cy="325148"/>
+          </a:xfrm>
+          <a:prstGeom prst="rect">
+            <a:avLst/>
+          </a:prstGeom>
+        </p:spPr>
+      </p:pic>
+      <p:pic>
+        <p:nvPicPr>
+          <p:cNvPr id="32" name="Image 31"/>
+          <p:cNvPicPr>
+            <a:picLocks noChangeAspect="1"/>
+          </p:cNvPicPr>
+          <p:nvPr/>
+        </p:nvPicPr>
+        <p:blipFill>
+          <a:blip r:embed="rId3">
+            <a:duotone>
+              <a:schemeClr val="accent3">
+                <a:shade val="45000"/>
+                <a:satMod val="135000"/>
+              </a:schemeClr>
+              <a:prstClr val="white"/>
+            </a:duotone>
+            <a:extLst>
+              <a:ext uri="{28A0092B-C50C-407E-A947-70E740481C1C}">
+                <a14:useLocalDpi xmlns:a14="http://schemas.microsoft.com/office/drawing/2010/main" val="0"/>
+              </a:ext>
+            </a:extLst>
+          </a:blip>
+          <a:stretch>
+            <a:fillRect/>
+          </a:stretch>
+        </p:blipFill>
+        <p:spPr>
+          <a:xfrm>
+            <a:off x="2198180" y="638716"/>
+            <a:ext cx="325148" cy="325148"/>
+          </a:xfrm>
+          <a:prstGeom prst="rect">
+            <a:avLst/>
+          </a:prstGeom>
+        </p:spPr>
+      </p:pic>
+      <p:pic>
+        <p:nvPicPr>
+          <p:cNvPr id="33" name="Image 32"/>
+          <p:cNvPicPr>
+            <a:picLocks noChangeAspect="1"/>
+          </p:cNvPicPr>
+          <p:nvPr/>
+        </p:nvPicPr>
+        <p:blipFill>
+          <a:blip r:embed="rId3">
+            <a:duotone>
+              <a:schemeClr val="accent3">
+                <a:shade val="45000"/>
+                <a:satMod val="135000"/>
+              </a:schemeClr>
+              <a:prstClr val="white"/>
+            </a:duotone>
+            <a:extLst>
+              <a:ext uri="{28A0092B-C50C-407E-A947-70E740481C1C}">
+                <a14:useLocalDpi xmlns:a14="http://schemas.microsoft.com/office/drawing/2010/main" val="0"/>
+              </a:ext>
+            </a:extLst>
+          </a:blip>
+          <a:stretch>
+            <a:fillRect/>
+          </a:stretch>
+        </p:blipFill>
+        <p:spPr>
+          <a:xfrm>
+            <a:off x="2414972" y="638716"/>
+            <a:ext cx="325148" cy="325148"/>
+          </a:xfrm>
+          <a:prstGeom prst="rect">
+            <a:avLst/>
+          </a:prstGeom>
+        </p:spPr>
+      </p:pic>
+      <p:pic>
+        <p:nvPicPr>
+          <p:cNvPr id="34" name="Image 33"/>
+          <p:cNvPicPr>
+            <a:picLocks noChangeAspect="1"/>
+          </p:cNvPicPr>
+          <p:nvPr/>
+        </p:nvPicPr>
+        <p:blipFill>
+          <a:blip r:embed="rId3">
+            <a:duotone>
+              <a:schemeClr val="accent3">
+                <a:shade val="45000"/>
+                <a:satMod val="135000"/>
+              </a:schemeClr>
+              <a:prstClr val="white"/>
+            </a:duotone>
+            <a:extLst>
+              <a:ext uri="{28A0092B-C50C-407E-A947-70E740481C1C}">
+                <a14:useLocalDpi xmlns:a14="http://schemas.microsoft.com/office/drawing/2010/main" val="0"/>
+              </a:ext>
+            </a:extLst>
+          </a:blip>
+          <a:stretch>
+            <a:fillRect/>
+          </a:stretch>
+        </p:blipFill>
+        <p:spPr>
+          <a:xfrm>
+            <a:off x="2631764" y="638716"/>
+            <a:ext cx="325148" cy="325148"/>
+          </a:xfrm>
+          <a:prstGeom prst="rect">
+            <a:avLst/>
+          </a:prstGeom>
+        </p:spPr>
+      </p:pic>
+      <p:pic>
+        <p:nvPicPr>
+          <p:cNvPr id="35" name="Image 34"/>
+          <p:cNvPicPr>
+            <a:picLocks noChangeAspect="1"/>
+          </p:cNvPicPr>
+          <p:nvPr/>
+        </p:nvPicPr>
+        <p:blipFill>
+          <a:blip r:embed="rId3">
+            <a:duotone>
+              <a:schemeClr val="accent3">
+                <a:shade val="45000"/>
+                <a:satMod val="135000"/>
+              </a:schemeClr>
+              <a:prstClr val="white"/>
+            </a:duotone>
+            <a:extLst>
+              <a:ext uri="{28A0092B-C50C-407E-A947-70E740481C1C}">
+                <a14:useLocalDpi xmlns:a14="http://schemas.microsoft.com/office/drawing/2010/main" val="0"/>
+              </a:ext>
+            </a:extLst>
+          </a:blip>
+          <a:stretch>
+            <a:fillRect/>
+          </a:stretch>
+        </p:blipFill>
+        <p:spPr>
+          <a:xfrm>
+            <a:off x="2848556" y="638716"/>
+            <a:ext cx="325148" cy="325148"/>
+          </a:xfrm>
+          <a:prstGeom prst="rect">
+            <a:avLst/>
+          </a:prstGeom>
+        </p:spPr>
+      </p:pic>
+      <p:pic>
+        <p:nvPicPr>
+          <p:cNvPr id="36" name="Image 35"/>
+          <p:cNvPicPr>
+            <a:picLocks noChangeAspect="1"/>
+          </p:cNvPicPr>
+          <p:nvPr/>
+        </p:nvPicPr>
+        <p:blipFill>
+          <a:blip r:embed="rId3">
+            <a:duotone>
+              <a:schemeClr val="accent3">
+                <a:shade val="45000"/>
+                <a:satMod val="135000"/>
+              </a:schemeClr>
+              <a:prstClr val="white"/>
+            </a:duotone>
+            <a:extLst>
+              <a:ext uri="{28A0092B-C50C-407E-A947-70E740481C1C}">
+                <a14:useLocalDpi xmlns:a14="http://schemas.microsoft.com/office/drawing/2010/main" val="0"/>
+              </a:ext>
+            </a:extLst>
+          </a:blip>
+          <a:stretch>
+            <a:fillRect/>
+          </a:stretch>
+        </p:blipFill>
+        <p:spPr>
+          <a:xfrm>
+            <a:off x="3065348" y="638716"/>
+            <a:ext cx="325148" cy="325148"/>
+          </a:xfrm>
+          <a:prstGeom prst="rect">
+            <a:avLst/>
+          </a:prstGeom>
+        </p:spPr>
+      </p:pic>
+      <p:pic>
+        <p:nvPicPr>
+          <p:cNvPr id="37" name="Image 36"/>
+          <p:cNvPicPr>
+            <a:picLocks noChangeAspect="1"/>
+          </p:cNvPicPr>
+          <p:nvPr/>
+        </p:nvPicPr>
+        <p:blipFill>
+          <a:blip r:embed="rId3">
+            <a:duotone>
+              <a:schemeClr val="accent3">
+                <a:shade val="45000"/>
+                <a:satMod val="135000"/>
+              </a:schemeClr>
+              <a:prstClr val="white"/>
+            </a:duotone>
+            <a:extLst>
+              <a:ext uri="{28A0092B-C50C-407E-A947-70E740481C1C}">
+                <a14:useLocalDpi xmlns:a14="http://schemas.microsoft.com/office/drawing/2010/main" val="0"/>
+              </a:ext>
+            </a:extLst>
+          </a:blip>
+          <a:stretch>
+            <a:fillRect/>
+          </a:stretch>
+        </p:blipFill>
+        <p:spPr>
+          <a:xfrm>
+            <a:off x="3282140" y="638716"/>
+            <a:ext cx="325148" cy="325148"/>
+          </a:xfrm>
+          <a:prstGeom prst="rect">
+            <a:avLst/>
+          </a:prstGeom>
+        </p:spPr>
+      </p:pic>
+      <p:pic>
+        <p:nvPicPr>
+          <p:cNvPr id="38" name="Image 37"/>
+          <p:cNvPicPr>
+            <a:picLocks noChangeAspect="1"/>
+          </p:cNvPicPr>
+          <p:nvPr/>
+        </p:nvPicPr>
+        <p:blipFill>
+          <a:blip r:embed="rId3">
+            <a:duotone>
+              <a:schemeClr val="accent3">
+                <a:shade val="45000"/>
+                <a:satMod val="135000"/>
+              </a:schemeClr>
+              <a:prstClr val="white"/>
+            </a:duotone>
+            <a:extLst>
+              <a:ext uri="{28A0092B-C50C-407E-A947-70E740481C1C}">
+                <a14:useLocalDpi xmlns:a14="http://schemas.microsoft.com/office/drawing/2010/main" val="0"/>
+              </a:ext>
+            </a:extLst>
+          </a:blip>
+          <a:stretch>
+            <a:fillRect/>
+          </a:stretch>
+        </p:blipFill>
+        <p:spPr>
+          <a:xfrm>
+            <a:off x="3498932" y="638716"/>
+            <a:ext cx="325148" cy="325148"/>
+          </a:xfrm>
+          <a:prstGeom prst="rect">
+            <a:avLst/>
+          </a:prstGeom>
+        </p:spPr>
+      </p:pic>
+      <p:pic>
+        <p:nvPicPr>
+          <p:cNvPr id="39" name="Image 38"/>
+          <p:cNvPicPr>
+            <a:picLocks noChangeAspect="1"/>
+          </p:cNvPicPr>
+          <p:nvPr/>
+        </p:nvPicPr>
+        <p:blipFill>
+          <a:blip r:embed="rId3">
+            <a:duotone>
+              <a:schemeClr val="accent3">
+                <a:shade val="45000"/>
+                <a:satMod val="135000"/>
+              </a:schemeClr>
+              <a:prstClr val="white"/>
+            </a:duotone>
+            <a:extLst>
+              <a:ext uri="{28A0092B-C50C-407E-A947-70E740481C1C}">
+                <a14:useLocalDpi xmlns:a14="http://schemas.microsoft.com/office/drawing/2010/main" val="0"/>
+              </a:ext>
+            </a:extLst>
+          </a:blip>
+          <a:stretch>
+            <a:fillRect/>
+          </a:stretch>
+        </p:blipFill>
+        <p:spPr>
+          <a:xfrm>
+            <a:off x="3715724" y="638716"/>
+            <a:ext cx="325148" cy="325148"/>
+          </a:xfrm>
+          <a:prstGeom prst="rect">
+            <a:avLst/>
+          </a:prstGeom>
+        </p:spPr>
+      </p:pic>
+      <p:pic>
+        <p:nvPicPr>
+          <p:cNvPr id="40" name="Image 39"/>
+          <p:cNvPicPr>
+            <a:picLocks noChangeAspect="1"/>
+          </p:cNvPicPr>
+          <p:nvPr/>
+        </p:nvPicPr>
+        <p:blipFill>
+          <a:blip r:embed="rId3">
+            <a:duotone>
+              <a:schemeClr val="accent3">
+                <a:shade val="45000"/>
+                <a:satMod val="135000"/>
+              </a:schemeClr>
+              <a:prstClr val="white"/>
+            </a:duotone>
+            <a:extLst>
+              <a:ext uri="{28A0092B-C50C-407E-A947-70E740481C1C}">
+                <a14:useLocalDpi xmlns:a14="http://schemas.microsoft.com/office/drawing/2010/main" val="0"/>
+              </a:ext>
+            </a:extLst>
+          </a:blip>
+          <a:stretch>
+            <a:fillRect/>
+          </a:stretch>
+        </p:blipFill>
+        <p:spPr>
+          <a:xfrm>
+            <a:off x="3932516" y="638716"/>
+            <a:ext cx="325148" cy="325148"/>
+          </a:xfrm>
+          <a:prstGeom prst="rect">
+            <a:avLst/>
+          </a:prstGeom>
+        </p:spPr>
+      </p:pic>
+      <p:pic>
+        <p:nvPicPr>
+          <p:cNvPr id="41" name="Image 40"/>
+          <p:cNvPicPr>
+            <a:picLocks noChangeAspect="1"/>
+          </p:cNvPicPr>
+          <p:nvPr/>
+        </p:nvPicPr>
+        <p:blipFill>
+          <a:blip r:embed="rId4">
+            <a:extLst>
+              <a:ext uri="{28A0092B-C50C-407E-A947-70E740481C1C}">
+                <a14:useLocalDpi xmlns:a14="http://schemas.microsoft.com/office/drawing/2010/main" val="0"/>
+              </a:ext>
+            </a:extLst>
+          </a:blip>
+          <a:stretch>
+            <a:fillRect/>
+          </a:stretch>
+        </p:blipFill>
+        <p:spPr>
+          <a:xfrm>
+            <a:off x="4149308" y="638716"/>
+            <a:ext cx="325148" cy="325148"/>
+          </a:xfrm>
+          <a:prstGeom prst="rect">
+            <a:avLst/>
+          </a:prstGeom>
+        </p:spPr>
+      </p:pic>
+      <p:pic>
+        <p:nvPicPr>
+          <p:cNvPr id="42" name="Image 41"/>
+          <p:cNvPicPr>
+            <a:picLocks noChangeAspect="1"/>
+          </p:cNvPicPr>
+          <p:nvPr/>
+        </p:nvPicPr>
+        <p:blipFill>
+          <a:blip r:embed="rId4">
+            <a:extLst>
+              <a:ext uri="{28A0092B-C50C-407E-A947-70E740481C1C}">
+                <a14:useLocalDpi xmlns:a14="http://schemas.microsoft.com/office/drawing/2010/main" val="0"/>
+              </a:ext>
+            </a:extLst>
+          </a:blip>
+          <a:stretch>
+            <a:fillRect/>
+          </a:stretch>
+        </p:blipFill>
+        <p:spPr>
+          <a:xfrm>
+            <a:off x="4366100" y="638716"/>
+            <a:ext cx="325148" cy="325148"/>
+          </a:xfrm>
+          <a:prstGeom prst="rect">
+            <a:avLst/>
+          </a:prstGeom>
+        </p:spPr>
+      </p:pic>
       <p:pic>
         <p:nvPicPr>
           <p:cNvPr id="68" name="Image 67"/>
@@ -3710,7 +4989,7 @@
           <p:nvPr/>
         </p:nvPicPr>
         <p:blipFill>
-          <a:blip r:embed="rId2">
+          <a:blip r:embed="rId3">
             <a:extLst>
               <a:ext uri="{28A0092B-C50C-407E-A947-70E740481C1C}">
                 <a14:useLocalDpi xmlns:a14="http://schemas.microsoft.com/office/drawing/2010/main" val="0"/>
@@ -3740,7 +5019,7 @@
           <p:nvPr/>
         </p:nvPicPr>
         <p:blipFill>
-          <a:blip r:embed="rId2">
+          <a:blip r:embed="rId3">
             <a:duotone>
               <a:schemeClr val="accent3">
                 <a:shade val="45000"/>
@@ -3777,7 +5056,7 @@
           <p:nvPr/>
         </p:nvPicPr>
         <p:blipFill>
-          <a:blip r:embed="rId2">
+          <a:blip r:embed="rId3">
             <a:duotone>
               <a:schemeClr val="accent3">
                 <a:shade val="45000"/>
@@ -3814,7 +5093,7 @@
           <p:nvPr/>
         </p:nvPicPr>
         <p:blipFill>
-          <a:blip r:embed="rId2">
+          <a:blip r:embed="rId3">
             <a:duotone>
               <a:schemeClr val="accent3">
                 <a:shade val="45000"/>
@@ -3851,7 +5130,7 @@
           <p:nvPr/>
         </p:nvPicPr>
         <p:blipFill>
-          <a:blip r:embed="rId2">
+          <a:blip r:embed="rId3">
             <a:duotone>
               <a:schemeClr val="accent3">
                 <a:shade val="45000"/>
@@ -3888,7 +5167,7 @@
           <p:nvPr/>
         </p:nvPicPr>
         <p:blipFill>
-          <a:blip r:embed="rId2">
+          <a:blip r:embed="rId3">
             <a:duotone>
               <a:schemeClr val="accent3">
                 <a:shade val="45000"/>
@@ -3925,7 +5204,7 @@
           <p:nvPr/>
         </p:nvPicPr>
         <p:blipFill>
-          <a:blip r:embed="rId2">
+          <a:blip r:embed="rId3">
             <a:duotone>
               <a:schemeClr val="accent3">
                 <a:shade val="45000"/>
@@ -3962,7 +5241,7 @@
           <p:nvPr/>
         </p:nvPicPr>
         <p:blipFill>
-          <a:blip r:embed="rId2">
+          <a:blip r:embed="rId3">
             <a:duotone>
               <a:schemeClr val="accent3">
                 <a:shade val="45000"/>
@@ -3999,7 +5278,7 @@
           <p:nvPr/>
         </p:nvPicPr>
         <p:blipFill>
-          <a:blip r:embed="rId2">
+          <a:blip r:embed="rId3">
             <a:duotone>
               <a:schemeClr val="accent3">
                 <a:shade val="45000"/>
@@ -4036,7 +5315,7 @@
           <p:nvPr/>
         </p:nvPicPr>
         <p:blipFill>
-          <a:blip r:embed="rId2">
+          <a:blip r:embed="rId3">
             <a:duotone>
               <a:schemeClr val="accent3">
                 <a:shade val="45000"/>
@@ -4073,7 +5352,7 @@
           <p:nvPr/>
         </p:nvPicPr>
         <p:blipFill>
-          <a:blip r:embed="rId2">
+          <a:blip r:embed="rId3">
             <a:duotone>
               <a:schemeClr val="accent3">
                 <a:shade val="45000"/>
@@ -4110,7 +5389,7 @@
           <p:nvPr/>
         </p:nvPicPr>
         <p:blipFill>
-          <a:blip r:embed="rId2">
+          <a:blip r:embed="rId3">
             <a:duotone>
               <a:schemeClr val="accent3">
                 <a:shade val="45000"/>
@@ -4147,7 +5426,7 @@
           <p:nvPr/>
         </p:nvPicPr>
         <p:blipFill>
-          <a:blip r:embed="rId2">
+          <a:blip r:embed="rId3">
             <a:duotone>
               <a:schemeClr val="accent3">
                 <a:shade val="45000"/>
@@ -4184,7 +5463,7 @@
           <p:nvPr/>
         </p:nvPicPr>
         <p:blipFill>
-          <a:blip r:embed="rId2">
+          <a:blip r:embed="rId3">
             <a:duotone>
               <a:schemeClr val="accent3">
                 <a:shade val="45000"/>
@@ -4221,7 +5500,7 @@
           <p:nvPr/>
         </p:nvPicPr>
         <p:blipFill>
-          <a:blip r:embed="rId2">
+          <a:blip r:embed="rId3">
             <a:duotone>
               <a:schemeClr val="accent3">
                 <a:shade val="45000"/>
@@ -4258,7 +5537,7 @@
           <p:nvPr/>
         </p:nvPicPr>
         <p:blipFill>
-          <a:blip r:embed="rId2">
+          <a:blip r:embed="rId3">
             <a:duotone>
               <a:schemeClr val="accent3">
                 <a:shade val="45000"/>
@@ -4295,7 +5574,7 @@
           <p:nvPr/>
         </p:nvPicPr>
         <p:blipFill>
-          <a:blip r:embed="rId2">
+          <a:blip r:embed="rId3">
             <a:duotone>
               <a:schemeClr val="accent3">
                 <a:shade val="45000"/>
@@ -4332,7 +5611,7 @@
           <p:nvPr/>
         </p:nvPicPr>
         <p:blipFill>
-          <a:blip r:embed="rId2">
+          <a:blip r:embed="rId3">
             <a:duotone>
               <a:schemeClr val="accent3">
                 <a:shade val="45000"/>
@@ -4369,7 +5648,7 @@
           <p:nvPr/>
         </p:nvPicPr>
         <p:blipFill>
-          <a:blip r:embed="rId3">
+          <a:blip r:embed="rId4">
             <a:extLst>
               <a:ext uri="{28A0092B-C50C-407E-A947-70E740481C1C}">
                 <a14:useLocalDpi xmlns:a14="http://schemas.microsoft.com/office/drawing/2010/main" val="0"/>
@@ -4399,7 +5678,7 @@
           <p:nvPr/>
         </p:nvPicPr>
         <p:blipFill>
-          <a:blip r:embed="rId3">
+          <a:blip r:embed="rId4">
             <a:extLst>
               <a:ext uri="{28A0092B-C50C-407E-A947-70E740481C1C}">
                 <a14:useLocalDpi xmlns:a14="http://schemas.microsoft.com/office/drawing/2010/main" val="0"/>
@@ -4429,7 +5708,7 @@
           <p:nvPr/>
         </p:nvPicPr>
         <p:blipFill>
-          <a:blip r:embed="rId2">
+          <a:blip r:embed="rId3">
             <a:extLst>
               <a:ext uri="{28A0092B-C50C-407E-A947-70E740481C1C}">
                 <a14:useLocalDpi xmlns:a14="http://schemas.microsoft.com/office/drawing/2010/main" val="0"/>
@@ -4459,7 +5738,7 @@
           <p:nvPr/>
         </p:nvPicPr>
         <p:blipFill>
-          <a:blip r:embed="rId2">
+          <a:blip r:embed="rId3">
             <a:duotone>
               <a:schemeClr val="accent3">
                 <a:shade val="45000"/>
@@ -4496,7 +5775,7 @@
           <p:nvPr/>
         </p:nvPicPr>
         <p:blipFill>
-          <a:blip r:embed="rId2">
+          <a:blip r:embed="rId3">
             <a:duotone>
               <a:schemeClr val="accent3">
                 <a:shade val="45000"/>
@@ -4533,7 +5812,7 @@
           <p:nvPr/>
         </p:nvPicPr>
         <p:blipFill>
-          <a:blip r:embed="rId2">
+          <a:blip r:embed="rId3">
             <a:duotone>
               <a:schemeClr val="accent3">
                 <a:shade val="45000"/>
@@ -4570,7 +5849,7 @@
           <p:nvPr/>
         </p:nvPicPr>
         <p:blipFill>
-          <a:blip r:embed="rId2">
+          <a:blip r:embed="rId3">
             <a:duotone>
               <a:schemeClr val="accent3">
                 <a:shade val="45000"/>
@@ -4607,7 +5886,7 @@
           <p:nvPr/>
         </p:nvPicPr>
         <p:blipFill>
-          <a:blip r:embed="rId2">
+          <a:blip r:embed="rId3">
             <a:duotone>
               <a:schemeClr val="accent3">
                 <a:shade val="45000"/>
@@ -4644,7 +5923,7 @@
           <p:nvPr/>
         </p:nvPicPr>
         <p:blipFill>
-          <a:blip r:embed="rId2">
+          <a:blip r:embed="rId3">
             <a:duotone>
               <a:schemeClr val="accent3">
                 <a:shade val="45000"/>
@@ -4681,7 +5960,7 @@
           <p:nvPr/>
         </p:nvPicPr>
         <p:blipFill>
-          <a:blip r:embed="rId2">
+          <a:blip r:embed="rId3">
             <a:duotone>
               <a:schemeClr val="accent3">
                 <a:shade val="45000"/>
@@ -4718,7 +5997,7 @@
           <p:nvPr/>
         </p:nvPicPr>
         <p:blipFill>
-          <a:blip r:embed="rId2">
+          <a:blip r:embed="rId3">
             <a:duotone>
               <a:schemeClr val="accent3">
                 <a:shade val="45000"/>
@@ -4755,7 +6034,7 @@
           <p:nvPr/>
         </p:nvPicPr>
         <p:blipFill>
-          <a:blip r:embed="rId2">
+          <a:blip r:embed="rId3">
             <a:duotone>
               <a:schemeClr val="accent3">
                 <a:shade val="45000"/>
@@ -4792,7 +6071,7 @@
           <p:nvPr/>
         </p:nvPicPr>
         <p:blipFill>
-          <a:blip r:embed="rId2">
+          <a:blip r:embed="rId3">
             <a:duotone>
               <a:schemeClr val="accent3">
                 <a:shade val="45000"/>
@@ -4829,7 +6108,7 @@
           <p:nvPr/>
         </p:nvPicPr>
         <p:blipFill>
-          <a:blip r:embed="rId2">
+          <a:blip r:embed="rId3">
             <a:duotone>
               <a:schemeClr val="accent3">
                 <a:shade val="45000"/>
@@ -4866,7 +6145,7 @@
           <p:nvPr/>
         </p:nvPicPr>
         <p:blipFill>
-          <a:blip r:embed="rId2">
+          <a:blip r:embed="rId3">
             <a:duotone>
               <a:schemeClr val="accent3">
                 <a:shade val="45000"/>
@@ -4903,7 +6182,7 @@
           <p:nvPr/>
         </p:nvPicPr>
         <p:blipFill>
-          <a:blip r:embed="rId2">
+          <a:blip r:embed="rId3">
             <a:duotone>
               <a:schemeClr val="accent3">
                 <a:shade val="45000"/>
@@ -4940,7 +6219,7 @@
           <p:nvPr/>
         </p:nvPicPr>
         <p:blipFill>
-          <a:blip r:embed="rId2">
+          <a:blip r:embed="rId3">
             <a:duotone>
               <a:schemeClr val="accent3">
                 <a:shade val="45000"/>
@@ -4977,7 +6256,7 @@
           <p:nvPr/>
         </p:nvPicPr>
         <p:blipFill>
-          <a:blip r:embed="rId2">
+          <a:blip r:embed="rId3">
             <a:duotone>
               <a:schemeClr val="accent3">
                 <a:shade val="45000"/>
@@ -5014,7 +6293,7 @@
           <p:nvPr/>
         </p:nvPicPr>
         <p:blipFill>
-          <a:blip r:embed="rId2">
+          <a:blip r:embed="rId3">
             <a:duotone>
               <a:schemeClr val="accent3">
                 <a:shade val="45000"/>
@@ -5051,7 +6330,7 @@
           <p:nvPr/>
         </p:nvPicPr>
         <p:blipFill>
-          <a:blip r:embed="rId2">
+          <a:blip r:embed="rId3">
             <a:duotone>
               <a:schemeClr val="accent3">
                 <a:shade val="45000"/>
@@ -5088,7 +6367,7 @@
           <p:nvPr/>
         </p:nvPicPr>
         <p:blipFill>
-          <a:blip r:embed="rId3">
+          <a:blip r:embed="rId4">
             <a:extLst>
               <a:ext uri="{28A0092B-C50C-407E-A947-70E740481C1C}">
                 <a14:useLocalDpi xmlns:a14="http://schemas.microsoft.com/office/drawing/2010/main" val="0"/>
@@ -5118,7 +6397,7 @@
           <p:nvPr/>
         </p:nvPicPr>
         <p:blipFill>
-          <a:blip r:embed="rId3">
+          <a:blip r:embed="rId4">
             <a:extLst>
               <a:ext uri="{28A0092B-C50C-407E-A947-70E740481C1C}">
                 <a14:useLocalDpi xmlns:a14="http://schemas.microsoft.com/office/drawing/2010/main" val="0"/>
@@ -5148,7 +6427,7 @@
           <p:nvPr/>
         </p:nvPicPr>
         <p:blipFill>
-          <a:blip r:embed="rId2">
+          <a:blip r:embed="rId3">
             <a:extLst>
               <a:ext uri="{28A0092B-C50C-407E-A947-70E740481C1C}">
                 <a14:useLocalDpi xmlns:a14="http://schemas.microsoft.com/office/drawing/2010/main" val="0"/>
@@ -5178,7 +6457,7 @@
           <p:nvPr/>
         </p:nvPicPr>
         <p:blipFill>
-          <a:blip r:embed="rId2">
+          <a:blip r:embed="rId3">
             <a:duotone>
               <a:schemeClr val="accent3">
                 <a:shade val="45000"/>
@@ -5215,7 +6494,7 @@
           <p:nvPr/>
         </p:nvPicPr>
         <p:blipFill>
-          <a:blip r:embed="rId2">
+          <a:blip r:embed="rId3">
             <a:duotone>
               <a:schemeClr val="accent3">
                 <a:shade val="45000"/>
@@ -5252,7 +6531,7 @@
           <p:nvPr/>
         </p:nvPicPr>
         <p:blipFill>
-          <a:blip r:embed="rId2">
+          <a:blip r:embed="rId3">
             <a:duotone>
               <a:schemeClr val="accent3">
                 <a:shade val="45000"/>
@@ -5289,7 +6568,7 @@
           <p:nvPr/>
         </p:nvPicPr>
         <p:blipFill>
-          <a:blip r:embed="rId2">
+          <a:blip r:embed="rId3">
             <a:duotone>
               <a:schemeClr val="accent3">
                 <a:shade val="45000"/>
@@ -5326,7 +6605,7 @@
           <p:nvPr/>
         </p:nvPicPr>
         <p:blipFill>
-          <a:blip r:embed="rId2">
+          <a:blip r:embed="rId3">
             <a:duotone>
               <a:schemeClr val="accent3">
                 <a:shade val="45000"/>
@@ -5363,7 +6642,7 @@
           <p:nvPr/>
         </p:nvPicPr>
         <p:blipFill>
-          <a:blip r:embed="rId2">
+          <a:blip r:embed="rId3">
             <a:duotone>
               <a:schemeClr val="accent3">
                 <a:shade val="45000"/>
@@ -5400,7 +6679,7 @@
           <p:nvPr/>
         </p:nvPicPr>
         <p:blipFill>
-          <a:blip r:embed="rId2">
+          <a:blip r:embed="rId3">
             <a:duotone>
               <a:schemeClr val="accent3">
                 <a:shade val="45000"/>
@@ -5437,7 +6716,7 @@
           <p:nvPr/>
         </p:nvPicPr>
         <p:blipFill>
-          <a:blip r:embed="rId2">
+          <a:blip r:embed="rId3">
             <a:duotone>
               <a:schemeClr val="accent3">
                 <a:shade val="45000"/>
@@ -5474,7 +6753,7 @@
           <p:nvPr/>
         </p:nvPicPr>
         <p:blipFill>
-          <a:blip r:embed="rId2">
+          <a:blip r:embed="rId3">
             <a:duotone>
               <a:schemeClr val="accent3">
                 <a:shade val="45000"/>
@@ -5511,7 +6790,7 @@
           <p:nvPr/>
         </p:nvPicPr>
         <p:blipFill>
-          <a:blip r:embed="rId2">
+          <a:blip r:embed="rId3">
             <a:duotone>
               <a:schemeClr val="accent3">
                 <a:shade val="45000"/>
@@ -5548,7 +6827,7 @@
           <p:nvPr/>
         </p:nvPicPr>
         <p:blipFill>
-          <a:blip r:embed="rId2">
+          <a:blip r:embed="rId3">
             <a:duotone>
               <a:schemeClr val="accent3">
                 <a:shade val="45000"/>
@@ -5585,7 +6864,7 @@
           <p:nvPr/>
         </p:nvPicPr>
         <p:blipFill>
-          <a:blip r:embed="rId2">
+          <a:blip r:embed="rId3">
             <a:duotone>
               <a:schemeClr val="accent3">
                 <a:shade val="45000"/>
@@ -5622,7 +6901,7 @@
           <p:nvPr/>
         </p:nvPicPr>
         <p:blipFill>
-          <a:blip r:embed="rId2">
+          <a:blip r:embed="rId3">
             <a:duotone>
               <a:schemeClr val="accent3">
                 <a:shade val="45000"/>
@@ -5659,7 +6938,7 @@
           <p:nvPr/>
         </p:nvPicPr>
         <p:blipFill>
-          <a:blip r:embed="rId2">
+          <a:blip r:embed="rId3">
             <a:duotone>
               <a:schemeClr val="accent3">
                 <a:shade val="45000"/>
@@ -5696,7 +6975,7 @@
           <p:nvPr/>
         </p:nvPicPr>
         <p:blipFill>
-          <a:blip r:embed="rId2">
+          <a:blip r:embed="rId3">
             <a:duotone>
               <a:schemeClr val="accent3">
                 <a:shade val="45000"/>
@@ -5733,7 +7012,7 @@
           <p:nvPr/>
         </p:nvPicPr>
         <p:blipFill>
-          <a:blip r:embed="rId2">
+          <a:blip r:embed="rId3">
             <a:duotone>
               <a:schemeClr val="accent3">
                 <a:shade val="45000"/>
@@ -5770,7 +7049,7 @@
           <p:nvPr/>
         </p:nvPicPr>
         <p:blipFill>
-          <a:blip r:embed="rId2">
+          <a:blip r:embed="rId3">
             <a:duotone>
               <a:schemeClr val="accent3">
                 <a:shade val="45000"/>
@@ -5807,7 +7086,7 @@
           <p:nvPr/>
         </p:nvPicPr>
         <p:blipFill>
-          <a:blip r:embed="rId3">
+          <a:blip r:embed="rId4">
             <a:extLst>
               <a:ext uri="{28A0092B-C50C-407E-A947-70E740481C1C}">
                 <a14:useLocalDpi xmlns:a14="http://schemas.microsoft.com/office/drawing/2010/main" val="0"/>
@@ -5837,7 +7116,7 @@
           <p:nvPr/>
         </p:nvPicPr>
         <p:blipFill>
-          <a:blip r:embed="rId3">
+          <a:blip r:embed="rId4">
             <a:extLst>
               <a:ext uri="{28A0092B-C50C-407E-A947-70E740481C1C}">
                 <a14:useLocalDpi xmlns:a14="http://schemas.microsoft.com/office/drawing/2010/main" val="0"/>
@@ -5867,7 +7146,7 @@
           <p:nvPr/>
         </p:nvPicPr>
         <p:blipFill>
-          <a:blip r:embed="rId2">
+          <a:blip r:embed="rId3">
             <a:extLst>
               <a:ext uri="{28A0092B-C50C-407E-A947-70E740481C1C}">
                 <a14:useLocalDpi xmlns:a14="http://schemas.microsoft.com/office/drawing/2010/main" val="0"/>
@@ -5897,7 +7176,7 @@
           <p:nvPr/>
         </p:nvPicPr>
         <p:blipFill>
-          <a:blip r:embed="rId2">
+          <a:blip r:embed="rId3">
             <a:duotone>
               <a:schemeClr val="accent3">
                 <a:shade val="45000"/>
@@ -5934,7 +7213,7 @@
           <p:nvPr/>
         </p:nvPicPr>
         <p:blipFill>
-          <a:blip r:embed="rId2">
+          <a:blip r:embed="rId3">
             <a:duotone>
               <a:schemeClr val="accent3">
                 <a:shade val="45000"/>
@@ -5971,7 +7250,7 @@
           <p:nvPr/>
         </p:nvPicPr>
         <p:blipFill>
-          <a:blip r:embed="rId2">
+          <a:blip r:embed="rId3">
             <a:duotone>
               <a:schemeClr val="accent3">
                 <a:shade val="45000"/>
@@ -6008,7 +7287,7 @@
           <p:nvPr/>
         </p:nvPicPr>
         <p:blipFill>
-          <a:blip r:embed="rId2">
+          <a:blip r:embed="rId3">
             <a:duotone>
               <a:schemeClr val="accent3">
                 <a:shade val="45000"/>
@@ -6045,7 +7324,7 @@
           <p:nvPr/>
         </p:nvPicPr>
         <p:blipFill>
-          <a:blip r:embed="rId2">
+          <a:blip r:embed="rId3">
             <a:duotone>
               <a:schemeClr val="accent3">
                 <a:shade val="45000"/>
@@ -6082,7 +7361,7 @@
           <p:nvPr/>
         </p:nvPicPr>
         <p:blipFill>
-          <a:blip r:embed="rId2">
+          <a:blip r:embed="rId3">
             <a:duotone>
               <a:schemeClr val="accent3">
                 <a:shade val="45000"/>
@@ -6119,7 +7398,7 @@
           <p:nvPr/>
         </p:nvPicPr>
         <p:blipFill>
-          <a:blip r:embed="rId2">
+          <a:blip r:embed="rId3">
             <a:duotone>
               <a:schemeClr val="accent3">
                 <a:shade val="45000"/>
@@ -6156,7 +7435,7 @@
           <p:nvPr/>
         </p:nvPicPr>
         <p:blipFill>
-          <a:blip r:embed="rId2">
+          <a:blip r:embed="rId3">
             <a:duotone>
               <a:schemeClr val="accent3">
                 <a:shade val="45000"/>
@@ -6193,7 +7472,7 @@
           <p:nvPr/>
         </p:nvPicPr>
         <p:blipFill>
-          <a:blip r:embed="rId2">
+          <a:blip r:embed="rId3">
             <a:duotone>
               <a:schemeClr val="accent3">
                 <a:shade val="45000"/>
@@ -6230,7 +7509,7 @@
           <p:nvPr/>
         </p:nvPicPr>
         <p:blipFill>
-          <a:blip r:embed="rId2">
+          <a:blip r:embed="rId3">
             <a:duotone>
               <a:schemeClr val="accent3">
                 <a:shade val="45000"/>
@@ -6267,7 +7546,7 @@
           <p:nvPr/>
         </p:nvPicPr>
         <p:blipFill>
-          <a:blip r:embed="rId2">
+          <a:blip r:embed="rId3">
             <a:duotone>
               <a:schemeClr val="accent3">
                 <a:shade val="45000"/>
@@ -6304,7 +7583,7 @@
           <p:nvPr/>
         </p:nvPicPr>
         <p:blipFill>
-          <a:blip r:embed="rId2">
+          <a:blip r:embed="rId3">
             <a:duotone>
               <a:schemeClr val="accent3">
                 <a:shade val="45000"/>
@@ -6341,7 +7620,7 @@
           <p:nvPr/>
         </p:nvPicPr>
         <p:blipFill>
-          <a:blip r:embed="rId2">
+          <a:blip r:embed="rId3">
             <a:duotone>
               <a:schemeClr val="accent3">
                 <a:shade val="45000"/>
@@ -6378,7 +7657,7 @@
           <p:nvPr/>
         </p:nvPicPr>
         <p:blipFill>
-          <a:blip r:embed="rId2">
+          <a:blip r:embed="rId3">
             <a:duotone>
               <a:schemeClr val="accent3">
                 <a:shade val="45000"/>
@@ -6415,7 +7694,7 @@
           <p:nvPr/>
         </p:nvPicPr>
         <p:blipFill>
-          <a:blip r:embed="rId2">
+          <a:blip r:embed="rId3">
             <a:duotone>
               <a:schemeClr val="accent3">
                 <a:shade val="45000"/>
@@ -6452,7 +7731,7 @@
           <p:nvPr/>
         </p:nvPicPr>
         <p:blipFill>
-          <a:blip r:embed="rId2">
+          <a:blip r:embed="rId3">
             <a:duotone>
               <a:schemeClr val="accent3">
                 <a:shade val="45000"/>
@@ -6489,7 +7768,7 @@
           <p:nvPr/>
         </p:nvPicPr>
         <p:blipFill>
-          <a:blip r:embed="rId2">
+          <a:blip r:embed="rId3">
             <a:duotone>
               <a:schemeClr val="accent3">
                 <a:shade val="45000"/>
@@ -6526,7 +7805,7 @@
           <p:nvPr/>
         </p:nvPicPr>
         <p:blipFill>
-          <a:blip r:embed="rId3">
+          <a:blip r:embed="rId4">
             <a:extLst>
               <a:ext uri="{28A0092B-C50C-407E-A947-70E740481C1C}">
                 <a14:useLocalDpi xmlns:a14="http://schemas.microsoft.com/office/drawing/2010/main" val="0"/>
@@ -6556,7 +7835,7 @@
           <p:nvPr/>
         </p:nvPicPr>
         <p:blipFill>
-          <a:blip r:embed="rId3">
+          <a:blip r:embed="rId4">
             <a:extLst>
               <a:ext uri="{28A0092B-C50C-407E-A947-70E740481C1C}">
                 <a14:useLocalDpi xmlns:a14="http://schemas.microsoft.com/office/drawing/2010/main" val="0"/>
@@ -7023,4 +8302,265 @@
     </a:ext>
   </a:extLst>
 </a:theme>
+</file>
+
+<file path=ppt/theme/theme2.xml><?xml version="1.0" encoding="utf-8"?>
+<a:theme xmlns:a="http://schemas.openxmlformats.org/drawingml/2006/main" name="Thème Office">
+  <a:themeElements>
+    <a:clrScheme name="Office">
+      <a:dk1>
+        <a:sysClr val="windowText" lastClr="000000"/>
+      </a:dk1>
+      <a:lt1>
+        <a:sysClr val="window" lastClr="FFFFFF"/>
+      </a:lt1>
+      <a:dk2>
+        <a:srgbClr val="44546A"/>
+      </a:dk2>
+      <a:lt2>
+        <a:srgbClr val="E7E6E6"/>
+      </a:lt2>
+      <a:accent1>
+        <a:srgbClr val="5B9BD5"/>
+      </a:accent1>
+      <a:accent2>
+        <a:srgbClr val="ED7D31"/>
+      </a:accent2>
+      <a:accent3>
+        <a:srgbClr val="A5A5A5"/>
+      </a:accent3>
+      <a:accent4>
+        <a:srgbClr val="FFC000"/>
+      </a:accent4>
+      <a:accent5>
+        <a:srgbClr val="4472C4"/>
+      </a:accent5>
+      <a:accent6>
+        <a:srgbClr val="70AD47"/>
+      </a:accent6>
+      <a:hlink>
+        <a:srgbClr val="0563C1"/>
+      </a:hlink>
+      <a:folHlink>
+        <a:srgbClr val="954F72"/>
+      </a:folHlink>
+    </a:clrScheme>
+    <a:fontScheme name="Office">
+      <a:majorFont>
+        <a:latin typeface="Calibri Light" panose="020F0302020204030204"/>
+        <a:ea typeface=""/>
+        <a:cs typeface=""/>
+        <a:font script="Jpan" typeface="ＭＳ Ｐゴシック"/>
+        <a:font script="Hang" typeface="맑은 고딕"/>
+        <a:font script="Hans" typeface="宋体"/>
+        <a:font script="Hant" typeface="新細明體"/>
+        <a:font script="Arab" typeface="Times New Roman"/>
+        <a:font script="Hebr" typeface="Times New Roman"/>
+        <a:font script="Thai" typeface="Angsana New"/>
+        <a:font script="Ethi" typeface="Nyala"/>
+        <a:font script="Beng" typeface="Vrinda"/>
+        <a:font script="Gujr" typeface="Shruti"/>
+        <a:font script="Khmr" typeface="MoolBoran"/>
+        <a:font script="Knda" typeface="Tunga"/>
+        <a:font script="Guru" typeface="Raavi"/>
+        <a:font script="Cans" typeface="Euphemia"/>
+        <a:font script="Cher" typeface="Plantagenet Cherokee"/>
+        <a:font script="Yiii" typeface="Microsoft Yi Baiti"/>
+        <a:font script="Tibt" typeface="Microsoft Himalaya"/>
+        <a:font script="Thaa" typeface="MV Boli"/>
+        <a:font script="Deva" typeface="Mangal"/>
+        <a:font script="Telu" typeface="Gautami"/>
+        <a:font script="Taml" typeface="Latha"/>
+        <a:font script="Syrc" typeface="Estrangelo Edessa"/>
+        <a:font script="Orya" typeface="Kalinga"/>
+        <a:font script="Mlym" typeface="Kartika"/>
+        <a:font script="Laoo" typeface="DokChampa"/>
+        <a:font script="Sinh" typeface="Iskoola Pota"/>
+        <a:font script="Mong" typeface="Mongolian Baiti"/>
+        <a:font script="Viet" typeface="Times New Roman"/>
+        <a:font script="Uigh" typeface="Microsoft Uighur"/>
+        <a:font script="Geor" typeface="Sylfaen"/>
+      </a:majorFont>
+      <a:minorFont>
+        <a:latin typeface="Calibri" panose="020F0502020204030204"/>
+        <a:ea typeface=""/>
+        <a:cs typeface=""/>
+        <a:font script="Jpan" typeface="ＭＳ Ｐゴシック"/>
+        <a:font script="Hang" typeface="맑은 고딕"/>
+        <a:font script="Hans" typeface="宋体"/>
+        <a:font script="Hant" typeface="新細明體"/>
+        <a:font script="Arab" typeface="Arial"/>
+        <a:font script="Hebr" typeface="Arial"/>
+        <a:font script="Thai" typeface="Cordia New"/>
+        <a:font script="Ethi" typeface="Nyala"/>
+        <a:font script="Beng" typeface="Vrinda"/>
+        <a:font script="Gujr" typeface="Shruti"/>
+        <a:font script="Khmr" typeface="DaunPenh"/>
+        <a:font script="Knda" typeface="Tunga"/>
+        <a:font script="Guru" typeface="Raavi"/>
+        <a:font script="Cans" typeface="Euphemia"/>
+        <a:font script="Cher" typeface="Plantagenet Cherokee"/>
+        <a:font script="Yiii" typeface="Microsoft Yi Baiti"/>
+        <a:font script="Tibt" typeface="Microsoft Himalaya"/>
+        <a:font script="Thaa" typeface="MV Boli"/>
+        <a:font script="Deva" typeface="Mangal"/>
+        <a:font script="Telu" typeface="Gautami"/>
+        <a:font script="Taml" typeface="Latha"/>
+        <a:font script="Syrc" typeface="Estrangelo Edessa"/>
+        <a:font script="Orya" typeface="Kalinga"/>
+        <a:font script="Mlym" typeface="Kartika"/>
+        <a:font script="Laoo" typeface="DokChampa"/>
+        <a:font script="Sinh" typeface="Iskoola Pota"/>
+        <a:font script="Mong" typeface="Mongolian Baiti"/>
+        <a:font script="Viet" typeface="Arial"/>
+        <a:font script="Uigh" typeface="Microsoft Uighur"/>
+        <a:font script="Geor" typeface="Sylfaen"/>
+      </a:minorFont>
+    </a:fontScheme>
+    <a:fmtScheme name="Office">
+      <a:fillStyleLst>
+        <a:solidFill>
+          <a:schemeClr val="phClr"/>
+        </a:solidFill>
+        <a:gradFill rotWithShape="1">
+          <a:gsLst>
+            <a:gs pos="0">
+              <a:schemeClr val="phClr">
+                <a:lumMod val="110000"/>
+                <a:satMod val="105000"/>
+                <a:tint val="67000"/>
+              </a:schemeClr>
+            </a:gs>
+            <a:gs pos="50000">
+              <a:schemeClr val="phClr">
+                <a:lumMod val="105000"/>
+                <a:satMod val="103000"/>
+                <a:tint val="73000"/>
+              </a:schemeClr>
+            </a:gs>
+            <a:gs pos="100000">
+              <a:schemeClr val="phClr">
+                <a:lumMod val="105000"/>
+                <a:satMod val="109000"/>
+                <a:tint val="81000"/>
+              </a:schemeClr>
+            </a:gs>
+          </a:gsLst>
+          <a:lin ang="5400000" scaled="0"/>
+        </a:gradFill>
+        <a:gradFill rotWithShape="1">
+          <a:gsLst>
+            <a:gs pos="0">
+              <a:schemeClr val="phClr">
+                <a:satMod val="103000"/>
+                <a:lumMod val="102000"/>
+                <a:tint val="94000"/>
+              </a:schemeClr>
+            </a:gs>
+            <a:gs pos="50000">
+              <a:schemeClr val="phClr">
+                <a:satMod val="110000"/>
+                <a:lumMod val="100000"/>
+                <a:shade val="100000"/>
+              </a:schemeClr>
+            </a:gs>
+            <a:gs pos="100000">
+              <a:schemeClr val="phClr">
+                <a:lumMod val="99000"/>
+                <a:satMod val="120000"/>
+                <a:shade val="78000"/>
+              </a:schemeClr>
+            </a:gs>
+          </a:gsLst>
+          <a:lin ang="5400000" scaled="0"/>
+        </a:gradFill>
+      </a:fillStyleLst>
+      <a:lnStyleLst>
+        <a:ln w="6350" cap="flat" cmpd="sng" algn="ctr">
+          <a:solidFill>
+            <a:schemeClr val="phClr"/>
+          </a:solidFill>
+          <a:prstDash val="solid"/>
+          <a:miter lim="800000"/>
+        </a:ln>
+        <a:ln w="12700" cap="flat" cmpd="sng" algn="ctr">
+          <a:solidFill>
+            <a:schemeClr val="phClr"/>
+          </a:solidFill>
+          <a:prstDash val="solid"/>
+          <a:miter lim="800000"/>
+        </a:ln>
+        <a:ln w="19050" cap="flat" cmpd="sng" algn="ctr">
+          <a:solidFill>
+            <a:schemeClr val="phClr"/>
+          </a:solidFill>
+          <a:prstDash val="solid"/>
+          <a:miter lim="800000"/>
+        </a:ln>
+      </a:lnStyleLst>
+      <a:effectStyleLst>
+        <a:effectStyle>
+          <a:effectLst/>
+        </a:effectStyle>
+        <a:effectStyle>
+          <a:effectLst/>
+        </a:effectStyle>
+        <a:effectStyle>
+          <a:effectLst>
+            <a:outerShdw blurRad="57150" dist="19050" dir="5400000" algn="ctr" rotWithShape="0">
+              <a:srgbClr val="000000">
+                <a:alpha val="63000"/>
+              </a:srgbClr>
+            </a:outerShdw>
+          </a:effectLst>
+        </a:effectStyle>
+      </a:effectStyleLst>
+      <a:bgFillStyleLst>
+        <a:solidFill>
+          <a:schemeClr val="phClr"/>
+        </a:solidFill>
+        <a:solidFill>
+          <a:schemeClr val="phClr">
+            <a:tint val="95000"/>
+            <a:satMod val="170000"/>
+          </a:schemeClr>
+        </a:solidFill>
+        <a:gradFill rotWithShape="1">
+          <a:gsLst>
+            <a:gs pos="0">
+              <a:schemeClr val="phClr">
+                <a:tint val="93000"/>
+                <a:satMod val="150000"/>
+                <a:shade val="98000"/>
+                <a:lumMod val="102000"/>
+              </a:schemeClr>
+            </a:gs>
+            <a:gs pos="50000">
+              <a:schemeClr val="phClr">
+                <a:tint val="98000"/>
+                <a:satMod val="130000"/>
+                <a:shade val="90000"/>
+                <a:lumMod val="103000"/>
+              </a:schemeClr>
+            </a:gs>
+            <a:gs pos="100000">
+              <a:schemeClr val="phClr">
+                <a:shade val="63000"/>
+                <a:satMod val="120000"/>
+              </a:schemeClr>
+            </a:gs>
+          </a:gsLst>
+          <a:lin ang="5400000" scaled="0"/>
+        </a:gradFill>
+      </a:bgFillStyleLst>
+    </a:fmtScheme>
+  </a:themeElements>
+  <a:objectDefaults/>
+  <a:extraClrSchemeLst/>
+  <a:extLst>
+    <a:ext uri="{05A4C25C-085E-4340-85A3-A5531E510DB2}">
+      <thm15:themeFamily xmlns:thm15="http://schemas.microsoft.com/office/thememl/2012/main" name="Office Theme" id="{62F939B6-93AF-4DB8-9C6B-D6C7DFDC589F}" vid="{4A3C46E8-61CC-4603-A589-7422A47A8E4A}"/>
+    </a:ext>
+  </a:extLst>
+</a:theme>
 </file>